--- a/VQE.pptx
+++ b/VQE.pptx
@@ -1019,7 +1019,7 @@
   <p:cSld>
     <p:spTree>
       <p:nvGrpSpPr>
-        <p:cNvPr id="191" name="Shape 191"/>
+        <p:cNvPr id="192" name="Shape 192"/>
         <p:cNvGrpSpPr/>
         <p:nvPr/>
       </p:nvGrpSpPr>
@@ -1033,7 +1033,7 @@
       </p:grpSpPr>
       <p:sp>
         <p:nvSpPr>
-          <p:cNvPr id="192" name="Google Shape;192;g2bb5b431656_0_0:notes"/>
+          <p:cNvPr id="193" name="Google Shape;193;g2bb5b431656_0_0:notes"/>
           <p:cNvSpPr/>
           <p:nvPr>
             <p:ph idx="2" type="sldImg"/>
@@ -1068,7 +1068,7 @@
       </p:sp>
       <p:sp>
         <p:nvSpPr>
-          <p:cNvPr id="193" name="Google Shape;193;g2bb5b431656_0_0:notes"/>
+          <p:cNvPr id="194" name="Google Shape;194;g2bb5b431656_0_0:notes"/>
           <p:cNvSpPr txBox="1"/>
           <p:nvPr>
             <p:ph idx="1" type="body"/>
@@ -1118,7 +1118,7 @@
   <p:cSld>
     <p:spTree>
       <p:nvGrpSpPr>
-        <p:cNvPr id="200" name="Shape 200"/>
+        <p:cNvPr id="201" name="Shape 201"/>
         <p:cNvGrpSpPr/>
         <p:nvPr/>
       </p:nvGrpSpPr>
@@ -1132,7 +1132,7 @@
       </p:grpSpPr>
       <p:sp>
         <p:nvSpPr>
-          <p:cNvPr id="201" name="Google Shape;201;g2bb5b431656_0_11:notes"/>
+          <p:cNvPr id="202" name="Google Shape;202;g2bb5b431656_0_11:notes"/>
           <p:cNvSpPr/>
           <p:nvPr>
             <p:ph idx="2" type="sldImg"/>
@@ -1167,7 +1167,7 @@
       </p:sp>
       <p:sp>
         <p:nvSpPr>
-          <p:cNvPr id="202" name="Google Shape;202;g2bb5b431656_0_11:notes"/>
+          <p:cNvPr id="203" name="Google Shape;203;g2bb5b431656_0_11:notes"/>
           <p:cNvSpPr txBox="1"/>
           <p:nvPr>
             <p:ph idx="1" type="body"/>
@@ -1217,7 +1217,7 @@
   <p:cSld>
     <p:spTree>
       <p:nvGrpSpPr>
-        <p:cNvPr id="208" name="Shape 208"/>
+        <p:cNvPr id="209" name="Shape 209"/>
         <p:cNvGrpSpPr/>
         <p:nvPr/>
       </p:nvGrpSpPr>
@@ -1231,7 +1231,7 @@
       </p:grpSpPr>
       <p:sp>
         <p:nvSpPr>
-          <p:cNvPr id="209" name="Google Shape;209;g2bb9caa7450_1_0:notes"/>
+          <p:cNvPr id="210" name="Google Shape;210;g2bb9caa7450_1_0:notes"/>
           <p:cNvSpPr/>
           <p:nvPr>
             <p:ph idx="2" type="sldImg"/>
@@ -1266,7 +1266,7 @@
       </p:sp>
       <p:sp>
         <p:nvSpPr>
-          <p:cNvPr id="210" name="Google Shape;210;g2bb9caa7450_1_0:notes"/>
+          <p:cNvPr id="211" name="Google Shape;211;g2bb9caa7450_1_0:notes"/>
           <p:cNvSpPr txBox="1"/>
           <p:nvPr>
             <p:ph idx="1" type="body"/>
@@ -1316,7 +1316,7 @@
   <p:cSld>
     <p:spTree>
       <p:nvGrpSpPr>
-        <p:cNvPr id="217" name="Shape 217"/>
+        <p:cNvPr id="218" name="Shape 218"/>
         <p:cNvGrpSpPr/>
         <p:nvPr/>
       </p:nvGrpSpPr>
@@ -1330,7 +1330,7 @@
       </p:grpSpPr>
       <p:sp>
         <p:nvSpPr>
-          <p:cNvPr id="218" name="Google Shape;218;g2bb9caa7450_1_46:notes"/>
+          <p:cNvPr id="219" name="Google Shape;219;g2bb9caa7450_1_46:notes"/>
           <p:cNvSpPr/>
           <p:nvPr>
             <p:ph idx="2" type="sldImg"/>
@@ -1365,7 +1365,7 @@
       </p:sp>
       <p:sp>
         <p:nvSpPr>
-          <p:cNvPr id="219" name="Google Shape;219;g2bb9caa7450_1_46:notes"/>
+          <p:cNvPr id="220" name="Google Shape;220;g2bb9caa7450_1_46:notes"/>
           <p:cNvSpPr txBox="1"/>
           <p:nvPr>
             <p:ph idx="1" type="body"/>
@@ -1415,7 +1415,7 @@
   <p:cSld>
     <p:spTree>
       <p:nvGrpSpPr>
-        <p:cNvPr id="228" name="Shape 228"/>
+        <p:cNvPr id="229" name="Shape 229"/>
         <p:cNvGrpSpPr/>
         <p:nvPr/>
       </p:nvGrpSpPr>
@@ -1429,7 +1429,7 @@
       </p:grpSpPr>
       <p:sp>
         <p:nvSpPr>
-          <p:cNvPr id="229" name="Google Shape;229;g2bb5b431656_0_558:notes"/>
+          <p:cNvPr id="230" name="Google Shape;230;g2bb5b431656_0_558:notes"/>
           <p:cNvSpPr/>
           <p:nvPr>
             <p:ph idx="2" type="sldImg"/>
@@ -1464,7 +1464,7 @@
       </p:sp>
       <p:sp>
         <p:nvSpPr>
-          <p:cNvPr id="230" name="Google Shape;230;g2bb5b431656_0_558:notes"/>
+          <p:cNvPr id="231" name="Google Shape;231;g2bb5b431656_0_558:notes"/>
           <p:cNvSpPr txBox="1"/>
           <p:nvPr>
             <p:ph idx="1" type="body"/>
@@ -1514,7 +1514,7 @@
   <p:cSld>
     <p:spTree>
       <p:nvGrpSpPr>
-        <p:cNvPr id="236" name="Shape 236"/>
+        <p:cNvPr id="237" name="Shape 237"/>
         <p:cNvGrpSpPr/>
         <p:nvPr/>
       </p:nvGrpSpPr>
@@ -1528,7 +1528,7 @@
       </p:grpSpPr>
       <p:sp>
         <p:nvSpPr>
-          <p:cNvPr id="237" name="Google Shape;237;g2bb7c2dfe47_0_10:notes"/>
+          <p:cNvPr id="238" name="Google Shape;238;g2bb7c2dfe47_0_10:notes"/>
           <p:cNvSpPr/>
           <p:nvPr>
             <p:ph idx="2" type="sldImg"/>
@@ -1563,7 +1563,7 @@
       </p:sp>
       <p:sp>
         <p:nvSpPr>
-          <p:cNvPr id="238" name="Google Shape;238;g2bb7c2dfe47_0_10:notes"/>
+          <p:cNvPr id="239" name="Google Shape;239;g2bb7c2dfe47_0_10:notes"/>
           <p:cNvSpPr txBox="1"/>
           <p:nvPr>
             <p:ph idx="1" type="body"/>
@@ -1613,7 +1613,7 @@
   <p:cSld>
     <p:spTree>
       <p:nvGrpSpPr>
-        <p:cNvPr id="244" name="Shape 244"/>
+        <p:cNvPr id="245" name="Shape 245"/>
         <p:cNvGrpSpPr/>
         <p:nvPr/>
       </p:nvGrpSpPr>
@@ -1627,7 +1627,7 @@
       </p:grpSpPr>
       <p:sp>
         <p:nvSpPr>
-          <p:cNvPr id="245" name="Google Shape;245;g269d917429d_1_30:notes"/>
+          <p:cNvPr id="246" name="Google Shape;246;g269d917429d_1_30:notes"/>
           <p:cNvSpPr/>
           <p:nvPr>
             <p:ph idx="2" type="sldImg"/>
@@ -1662,7 +1662,7 @@
       </p:sp>
       <p:sp>
         <p:nvSpPr>
-          <p:cNvPr id="246" name="Google Shape;246;g269d917429d_1_30:notes"/>
+          <p:cNvPr id="247" name="Google Shape;247;g269d917429d_1_30:notes"/>
           <p:cNvSpPr txBox="1"/>
           <p:nvPr>
             <p:ph idx="1" type="body"/>
@@ -9752,7 +9752,7 @@
         </p:blipFill>
         <p:spPr>
           <a:xfrm>
-            <a:off x="3267100" y="2856675"/>
+            <a:off x="3374025" y="2571750"/>
             <a:ext cx="3479105" cy="2143950"/>
           </a:xfrm>
           <a:prstGeom prst="rect">
@@ -9848,6 +9848,64 @@
           </a:p>
         </p:txBody>
       </p:sp>
+      <p:sp>
+        <p:nvSpPr>
+          <p:cNvPr id="191" name="Google Shape;191;p24"/>
+          <p:cNvSpPr txBox="1"/>
+          <p:nvPr/>
+        </p:nvSpPr>
+        <p:spPr>
+          <a:xfrm>
+            <a:off x="1825425" y="4677275"/>
+            <a:ext cx="6576300" cy="363900"/>
+          </a:xfrm>
+          <a:prstGeom prst="rect">
+            <a:avLst/>
+          </a:prstGeom>
+          <a:noFill/>
+          <a:ln>
+            <a:noFill/>
+          </a:ln>
+        </p:spPr>
+        <p:txBody>
+          <a:bodyPr anchorCtr="0" anchor="t" bIns="91425" lIns="91425" spcFirstLastPara="1" rIns="91425" wrap="square" tIns="91425">
+            <a:noAutofit/>
+          </a:bodyPr>
+          <a:lstStyle/>
+          <a:p>
+            <a:pPr indent="0" lvl="0" marL="0" rtl="0" algn="l">
+              <a:spcBef>
+                <a:spcPts val="0"/>
+              </a:spcBef>
+              <a:spcAft>
+                <a:spcPts val="0"/>
+              </a:spcAft>
+              <a:buNone/>
+            </a:pPr>
+            <a:r>
+              <a:rPr lang="en" sz="1800">
+                <a:solidFill>
+                  <a:schemeClr val="dk2"/>
+                </a:solidFill>
+                <a:latin typeface="Open Sans"/>
+                <a:ea typeface="Open Sans"/>
+                <a:cs typeface="Open Sans"/>
+                <a:sym typeface="Open Sans"/>
+              </a:rPr>
+              <a:t>	James Stokes et al, Quantum 4, 269 (2020).</a:t>
+            </a:r>
+            <a:endParaRPr sz="1800">
+              <a:solidFill>
+                <a:schemeClr val="dk2"/>
+              </a:solidFill>
+              <a:latin typeface="Open Sans"/>
+              <a:ea typeface="Open Sans"/>
+              <a:cs typeface="Open Sans"/>
+              <a:sym typeface="Open Sans"/>
+            </a:endParaRPr>
+          </a:p>
+        </p:txBody>
+      </p:sp>
     </p:spTree>
   </p:cSld>
   <p:clrMapOvr>
@@ -9861,7 +9919,7 @@
   <p:cSld>
     <p:spTree>
       <p:nvGrpSpPr>
-        <p:cNvPr id="194" name="Shape 194"/>
+        <p:cNvPr id="195" name="Shape 195"/>
         <p:cNvGrpSpPr/>
         <p:nvPr/>
       </p:nvGrpSpPr>
@@ -9875,7 +9933,7 @@
       </p:grpSpPr>
       <p:sp>
         <p:nvSpPr>
-          <p:cNvPr id="195" name="Google Shape;195;p25"/>
+          <p:cNvPr id="196" name="Google Shape;196;p25"/>
           <p:cNvSpPr txBox="1"/>
           <p:nvPr>
             <p:ph type="title"/>
@@ -9943,7 +10001,7 @@
       </p:sp>
       <p:pic>
         <p:nvPicPr>
-          <p:cNvPr id="196" name="Google Shape;196;p25"/>
+          <p:cNvPr id="197" name="Google Shape;197;p25"/>
           <p:cNvPicPr preferRelativeResize="0"/>
           <p:nvPr/>
         </p:nvPicPr>
@@ -9971,7 +10029,7 @@
       </p:pic>
       <p:pic>
         <p:nvPicPr>
-          <p:cNvPr id="197" name="Google Shape;197;p25"/>
+          <p:cNvPr id="198" name="Google Shape;198;p25"/>
           <p:cNvPicPr preferRelativeResize="0"/>
           <p:nvPr/>
         </p:nvPicPr>
@@ -9999,7 +10057,7 @@
       </p:pic>
       <p:pic>
         <p:nvPicPr>
-          <p:cNvPr id="198" name="Google Shape;198;p25"/>
+          <p:cNvPr id="199" name="Google Shape;199;p25"/>
           <p:cNvPicPr preferRelativeResize="0"/>
           <p:nvPr/>
         </p:nvPicPr>
@@ -10027,7 +10085,7 @@
       </p:pic>
       <p:sp>
         <p:nvSpPr>
-          <p:cNvPr id="199" name="Google Shape;199;p25"/>
+          <p:cNvPr id="200" name="Google Shape;200;p25"/>
           <p:cNvSpPr txBox="1"/>
           <p:nvPr>
             <p:ph idx="12" type="sldNum"/>
@@ -10094,7 +10152,7 @@
   <p:cSld>
     <p:spTree>
       <p:nvGrpSpPr>
-        <p:cNvPr id="203" name="Shape 203"/>
+        <p:cNvPr id="204" name="Shape 204"/>
         <p:cNvGrpSpPr/>
         <p:nvPr/>
       </p:nvGrpSpPr>
@@ -10108,7 +10166,7 @@
       </p:grpSpPr>
       <p:pic>
         <p:nvPicPr>
-          <p:cNvPr id="204" name="Google Shape;204;p26"/>
+          <p:cNvPr id="205" name="Google Shape;205;p26"/>
           <p:cNvPicPr preferRelativeResize="0"/>
           <p:nvPr/>
         </p:nvPicPr>
@@ -10136,7 +10194,7 @@
       </p:pic>
       <p:pic>
         <p:nvPicPr>
-          <p:cNvPr id="205" name="Google Shape;205;p26"/>
+          <p:cNvPr id="206" name="Google Shape;206;p26"/>
           <p:cNvPicPr preferRelativeResize="0"/>
           <p:nvPr/>
         </p:nvPicPr>
@@ -10164,7 +10222,7 @@
       </p:pic>
       <p:sp>
         <p:nvSpPr>
-          <p:cNvPr id="206" name="Google Shape;206;p26"/>
+          <p:cNvPr id="207" name="Google Shape;207;p26"/>
           <p:cNvSpPr txBox="1"/>
           <p:nvPr>
             <p:ph type="title"/>
@@ -10223,7 +10281,7 @@
       </p:sp>
       <p:sp>
         <p:nvSpPr>
-          <p:cNvPr id="207" name="Google Shape;207;p26"/>
+          <p:cNvPr id="208" name="Google Shape;208;p26"/>
           <p:cNvSpPr txBox="1"/>
           <p:nvPr>
             <p:ph idx="12" type="sldNum"/>
@@ -10290,7 +10348,7 @@
   <p:cSld>
     <p:spTree>
       <p:nvGrpSpPr>
-        <p:cNvPr id="211" name="Shape 211"/>
+        <p:cNvPr id="212" name="Shape 212"/>
         <p:cNvGrpSpPr/>
         <p:nvPr/>
       </p:nvGrpSpPr>
@@ -10304,7 +10362,7 @@
       </p:grpSpPr>
       <p:pic>
         <p:nvPicPr>
-          <p:cNvPr id="212" name="Google Shape;212;p27"/>
+          <p:cNvPr id="213" name="Google Shape;213;p27"/>
           <p:cNvPicPr preferRelativeResize="0"/>
           <p:nvPr/>
         </p:nvPicPr>
@@ -10332,7 +10390,7 @@
       </p:pic>
       <p:sp>
         <p:nvSpPr>
-          <p:cNvPr id="213" name="Google Shape;213;p27"/>
+          <p:cNvPr id="214" name="Google Shape;214;p27"/>
           <p:cNvSpPr txBox="1"/>
           <p:nvPr>
             <p:ph type="title"/>
@@ -10391,7 +10449,7 @@
       </p:sp>
       <p:sp>
         <p:nvSpPr>
-          <p:cNvPr id="214" name="Google Shape;214;p27"/>
+          <p:cNvPr id="215" name="Google Shape;215;p27"/>
           <p:cNvSpPr txBox="1"/>
           <p:nvPr/>
         </p:nvSpPr>
@@ -10595,7 +10653,7 @@
       </p:sp>
       <p:sp>
         <p:nvSpPr>
-          <p:cNvPr id="215" name="Google Shape;215;p27"/>
+          <p:cNvPr id="216" name="Google Shape;216;p27"/>
           <p:cNvSpPr txBox="1"/>
           <p:nvPr/>
         </p:nvSpPr>
@@ -10653,7 +10711,7 @@
       </p:sp>
       <p:sp>
         <p:nvSpPr>
-          <p:cNvPr id="216" name="Google Shape;216;p27"/>
+          <p:cNvPr id="217" name="Google Shape;217;p27"/>
           <p:cNvSpPr txBox="1"/>
           <p:nvPr/>
         </p:nvSpPr>
@@ -10722,7 +10780,7 @@
   <p:cSld>
     <p:spTree>
       <p:nvGrpSpPr>
-        <p:cNvPr id="220" name="Shape 220"/>
+        <p:cNvPr id="221" name="Shape 221"/>
         <p:cNvGrpSpPr/>
         <p:nvPr/>
       </p:nvGrpSpPr>
@@ -10736,7 +10794,7 @@
       </p:grpSpPr>
       <p:sp>
         <p:nvSpPr>
-          <p:cNvPr id="221" name="Google Shape;221;p28"/>
+          <p:cNvPr id="222" name="Google Shape;222;p28"/>
           <p:cNvSpPr txBox="1"/>
           <p:nvPr>
             <p:ph type="title"/>
@@ -10804,7 +10862,7 @@
       </p:sp>
       <p:pic>
         <p:nvPicPr>
-          <p:cNvPr id="222" name="Google Shape;222;p28"/>
+          <p:cNvPr id="223" name="Google Shape;223;p28"/>
           <p:cNvPicPr preferRelativeResize="0"/>
           <p:nvPr/>
         </p:nvPicPr>
@@ -10832,7 +10890,7 @@
       </p:pic>
       <p:sp>
         <p:nvSpPr>
-          <p:cNvPr id="223" name="Google Shape;223;p28"/>
+          <p:cNvPr id="224" name="Google Shape;224;p28"/>
           <p:cNvSpPr txBox="1"/>
           <p:nvPr/>
         </p:nvSpPr>
@@ -10992,7 +11050,7 @@
       </p:sp>
       <p:sp>
         <p:nvSpPr>
-          <p:cNvPr id="224" name="Google Shape;224;p28"/>
+          <p:cNvPr id="225" name="Google Shape;225;p28"/>
           <p:cNvSpPr txBox="1"/>
           <p:nvPr/>
         </p:nvSpPr>
@@ -11034,7 +11092,7 @@
       </p:sp>
       <p:sp>
         <p:nvSpPr>
-          <p:cNvPr id="225" name="Google Shape;225;p28"/>
+          <p:cNvPr id="226" name="Google Shape;226;p28"/>
           <p:cNvSpPr txBox="1"/>
           <p:nvPr/>
         </p:nvSpPr>
@@ -11080,7 +11138,7 @@
       </p:sp>
       <p:sp>
         <p:nvSpPr>
-          <p:cNvPr id="226" name="Google Shape;226;p28"/>
+          <p:cNvPr id="227" name="Google Shape;227;p28"/>
           <p:cNvSpPr txBox="1"/>
           <p:nvPr/>
         </p:nvSpPr>
@@ -11138,7 +11196,7 @@
       </p:sp>
       <p:sp>
         <p:nvSpPr>
-          <p:cNvPr id="227" name="Google Shape;227;p28"/>
+          <p:cNvPr id="228" name="Google Shape;228;p28"/>
           <p:cNvSpPr txBox="1"/>
           <p:nvPr/>
         </p:nvSpPr>
@@ -11207,7 +11265,7 @@
   <p:cSld>
     <p:spTree>
       <p:nvGrpSpPr>
-        <p:cNvPr id="231" name="Shape 231"/>
+        <p:cNvPr id="232" name="Shape 232"/>
         <p:cNvGrpSpPr/>
         <p:nvPr/>
       </p:nvGrpSpPr>
@@ -11221,7 +11279,7 @@
       </p:grpSpPr>
       <p:sp>
         <p:nvSpPr>
-          <p:cNvPr id="232" name="Google Shape;232;p29"/>
+          <p:cNvPr id="233" name="Google Shape;233;p29"/>
           <p:cNvSpPr txBox="1"/>
           <p:nvPr>
             <p:ph type="title"/>
@@ -11271,7 +11329,7 @@
       </p:sp>
       <p:pic>
         <p:nvPicPr>
-          <p:cNvPr id="233" name="Google Shape;233;p29"/>
+          <p:cNvPr id="234" name="Google Shape;234;p29"/>
           <p:cNvPicPr preferRelativeResize="0"/>
           <p:nvPr/>
         </p:nvPicPr>
@@ -11299,7 +11357,7 @@
       </p:pic>
       <p:sp>
         <p:nvSpPr>
-          <p:cNvPr id="234" name="Google Shape;234;p29"/>
+          <p:cNvPr id="235" name="Google Shape;235;p29"/>
           <p:cNvSpPr txBox="1"/>
           <p:nvPr/>
         </p:nvSpPr>
@@ -11465,7 +11523,7 @@
       </p:sp>
       <p:sp>
         <p:nvSpPr>
-          <p:cNvPr id="235" name="Google Shape;235;p29"/>
+          <p:cNvPr id="236" name="Google Shape;236;p29"/>
           <p:cNvSpPr txBox="1"/>
           <p:nvPr>
             <p:ph idx="12" type="sldNum"/>
@@ -11532,7 +11590,7 @@
   <p:cSld>
     <p:spTree>
       <p:nvGrpSpPr>
-        <p:cNvPr id="239" name="Shape 239"/>
+        <p:cNvPr id="240" name="Shape 240"/>
         <p:cNvGrpSpPr/>
         <p:nvPr/>
       </p:nvGrpSpPr>
@@ -11546,7 +11604,7 @@
       </p:grpSpPr>
       <p:sp>
         <p:nvSpPr>
-          <p:cNvPr id="240" name="Google Shape;240;p30"/>
+          <p:cNvPr id="241" name="Google Shape;241;p30"/>
           <p:cNvSpPr txBox="1"/>
           <p:nvPr>
             <p:ph type="title"/>
@@ -11596,7 +11654,7 @@
       </p:sp>
       <p:sp>
         <p:nvSpPr>
-          <p:cNvPr id="241" name="Google Shape;241;p30"/>
+          <p:cNvPr id="242" name="Google Shape;242;p30"/>
           <p:cNvSpPr txBox="1"/>
           <p:nvPr>
             <p:ph idx="1" type="body"/>
@@ -11756,7 +11814,7 @@
       </p:sp>
       <p:pic>
         <p:nvPicPr>
-          <p:cNvPr id="242" name="Google Shape;242;p30"/>
+          <p:cNvPr id="243" name="Google Shape;243;p30"/>
           <p:cNvPicPr preferRelativeResize="0"/>
           <p:nvPr/>
         </p:nvPicPr>
@@ -11784,7 +11842,7 @@
       </p:pic>
       <p:sp>
         <p:nvSpPr>
-          <p:cNvPr id="243" name="Google Shape;243;p30"/>
+          <p:cNvPr id="244" name="Google Shape;244;p30"/>
           <p:cNvSpPr txBox="1"/>
           <p:nvPr>
             <p:ph idx="12" type="sldNum"/>
@@ -11851,7 +11909,7 @@
   <p:cSld>
     <p:spTree>
       <p:nvGrpSpPr>
-        <p:cNvPr id="247" name="Shape 247"/>
+        <p:cNvPr id="248" name="Shape 248"/>
         <p:cNvGrpSpPr/>
         <p:nvPr/>
       </p:nvGrpSpPr>
@@ -11865,7 +11923,7 @@
       </p:grpSpPr>
       <p:pic>
         <p:nvPicPr>
-          <p:cNvPr id="248" name="Google Shape;248;p31"/>
+          <p:cNvPr id="249" name="Google Shape;249;p31"/>
           <p:cNvPicPr preferRelativeResize="0"/>
           <p:nvPr/>
         </p:nvPicPr>
@@ -11893,7 +11951,7 @@
       </p:pic>
       <p:sp>
         <p:nvSpPr>
-          <p:cNvPr id="249" name="Google Shape;249;p31"/>
+          <p:cNvPr id="250" name="Google Shape;250;p31"/>
           <p:cNvSpPr/>
           <p:nvPr/>
         </p:nvSpPr>
@@ -11947,7 +12005,7 @@
       </p:sp>
       <p:sp>
         <p:nvSpPr>
-          <p:cNvPr id="250" name="Google Shape;250;p31"/>
+          <p:cNvPr id="251" name="Google Shape;251;p31"/>
           <p:cNvSpPr txBox="1"/>
           <p:nvPr/>
         </p:nvSpPr>
@@ -12043,7 +12101,7 @@
       </p:sp>
       <p:sp>
         <p:nvSpPr>
-          <p:cNvPr id="251" name="Google Shape;251;p31"/>
+          <p:cNvPr id="252" name="Google Shape;252;p31"/>
           <p:cNvSpPr/>
           <p:nvPr/>
         </p:nvSpPr>
